--- a/CSG 3D.pptx
+++ b/CSG 3D.pptx
@@ -138,7 +138,7 @@
 <p1510:revInfo xmlns:a="http://schemas.openxmlformats.org/drawingml/2006/main" xmlns:r="http://schemas.openxmlformats.org/officeDocument/2006/relationships" xmlns:p1510="http://schemas.microsoft.com/office/powerpoint/2015/10/main">
   <p1510:revLst>
     <p1510:client id="{4E6B7B3C-69F1-41DA-AA32-CA7C2DE093E6}" v="10" dt="2022-11-06T20:33:45.087"/>
-    <p1510:client id="{512F1805-A718-4816-9204-E4F510C4344E}" v="165" dt="2022-11-07T10:13:32.876"/>
+    <p1510:client id="{512F1805-A718-4816-9204-E4F510C4344E}" v="179" dt="2022-11-07T10:25:05.780"/>
     <p1510:client id="{522158A8-96DE-442D-BE09-E67F49BF26C3}" v="56" dt="2022-11-06T13:17:53.664"/>
     <p1510:client id="{B93EAC9D-9C6B-478C-B677-AA8B6D6AA3C2}" v="488" dt="2022-11-07T09:20:42.055"/>
     <p1510:client id="{BF354197-655C-4C51-A6EA-7EEDFB704FF2}" v="1886" dt="2022-11-07T09:01:23.523"/>
@@ -3934,15 +3934,8 @@
                 <a:ea typeface="+mn-lt"/>
                 <a:cs typeface="+mn-lt"/>
               </a:rPr>
-              <a:t>sólidos</a:t>
-            </a:r>
-            <a:endParaRPr lang="en-US">
-              <a:solidFill>
-                <a:schemeClr val="bg1"/>
-              </a:solidFill>
-              <a:ea typeface="+mn-lt"/>
-              <a:cs typeface="+mn-lt"/>
-            </a:endParaRPr>
+              <a:t>sólidas</a:t>
+            </a:r>
           </a:p>
           <a:p>
             <a:pPr marL="379095" indent="-367030">
@@ -4202,7 +4195,7 @@
                 <a:ea typeface="+mn-lt"/>
                 <a:cs typeface="+mn-lt"/>
               </a:rPr>
-              <a:t>, </a:t>
+              <a:t> </a:t>
             </a:r>
             <a:r>
               <a:rPr lang="en-US" spc="-5" dirty="0" err="1">
@@ -4290,7 +4283,7 @@
                 <a:ea typeface="+mn-lt"/>
                 <a:cs typeface="+mn-lt"/>
               </a:rPr>
-              <a:t> for a</a:t>
+              <a:t> e fora</a:t>
             </a:r>
           </a:p>
           <a:p>
